--- a/Materials/slides/Week10.pptx
+++ b/Materials/slides/Week10.pptx
@@ -234,7 +234,7 @@
           <a:p>
             <a:fld id="{4CFBB33C-050F-194E-9F71-A5A73BBD8CBC}" type="datetimeFigureOut">
               <a:rPr kumimoji="1" lang="zh-TW" altLang="en-US" smtClean="0"/>
-              <a:t>2019/4/19</a:t>
+              <a:t>2019/5/3</a:t>
             </a:fld>
             <a:endParaRPr kumimoji="1" lang="zh-TW" altLang="en-US"/>
           </a:p>
@@ -502,6 +502,104 @@
 </p:notesMaster>
 </file>
 
+<file path=ppt/notesSlides/notesSlide1.xml><?xml version="1.0" encoding="utf-8"?>
+<p:notes xmlns:a="http://schemas.openxmlformats.org/drawingml/2006/main" xmlns:r="http://schemas.openxmlformats.org/officeDocument/2006/relationships" xmlns:p="http://schemas.openxmlformats.org/presentationml/2006/main">
+  <p:cSld>
+    <p:spTree>
+      <p:nvGrpSpPr>
+        <p:cNvPr id="1" name=""/>
+        <p:cNvGrpSpPr/>
+        <p:nvPr/>
+      </p:nvGrpSpPr>
+      <p:grpSpPr>
+        <a:xfrm>
+          <a:off x="0" y="0"/>
+          <a:ext cx="0" cy="0"/>
+          <a:chOff x="0" y="0"/>
+          <a:chExt cx="0" cy="0"/>
+        </a:xfrm>
+      </p:grpSpPr>
+      <p:sp>
+        <p:nvSpPr>
+          <p:cNvPr id="2" name="投影片圖像版面配置區 1"/>
+          <p:cNvSpPr>
+            <a:spLocks noGrp="1" noRot="1" noChangeAspect="1"/>
+          </p:cNvSpPr>
+          <p:nvPr>
+            <p:ph type="sldImg"/>
+          </p:nvPr>
+        </p:nvSpPr>
+        <p:spPr/>
+      </p:sp>
+      <p:sp>
+        <p:nvSpPr>
+          <p:cNvPr id="3" name="備忘稿版面配置區 2"/>
+          <p:cNvSpPr>
+            <a:spLocks noGrp="1"/>
+          </p:cNvSpPr>
+          <p:nvPr>
+            <p:ph type="body" idx="1"/>
+          </p:nvPr>
+        </p:nvSpPr>
+        <p:spPr/>
+        <p:txBody>
+          <a:bodyPr/>
+          <a:lstStyle/>
+          <a:p>
+            <a:r>
+              <a:rPr lang="en-US" dirty="0" smtClean="0"/>
+              <a:t>Mammal</a:t>
+            </a:r>
+            <a:r>
+              <a:rPr lang="en-US" baseline="0" dirty="0" smtClean="0"/>
+              <a:t> is animal</a:t>
+            </a:r>
+          </a:p>
+          <a:p>
+            <a:r>
+              <a:rPr lang="en-US" baseline="0" dirty="0" smtClean="0"/>
+              <a:t>Triangle is a shape</a:t>
+            </a:r>
+            <a:endParaRPr lang="en-US" dirty="0"/>
+          </a:p>
+        </p:txBody>
+      </p:sp>
+      <p:sp>
+        <p:nvSpPr>
+          <p:cNvPr id="4" name="投影片編號版面配置區 3"/>
+          <p:cNvSpPr>
+            <a:spLocks noGrp="1"/>
+          </p:cNvSpPr>
+          <p:nvPr>
+            <p:ph type="sldNum" sz="quarter" idx="10"/>
+          </p:nvPr>
+        </p:nvSpPr>
+        <p:spPr/>
+        <p:txBody>
+          <a:bodyPr/>
+          <a:lstStyle/>
+          <a:p>
+            <a:fld id="{4434A9D5-F0D8-354E-9F0A-63F83BF169BC}" type="slidenum">
+              <a:rPr kumimoji="1" lang="zh-TW" altLang="en-US" smtClean="0"/>
+              <a:t>5</a:t>
+            </a:fld>
+            <a:endParaRPr kumimoji="1" lang="zh-TW" altLang="en-US"/>
+          </a:p>
+        </p:txBody>
+      </p:sp>
+    </p:spTree>
+    <p:extLst>
+      <p:ext uri="{BB962C8B-B14F-4D97-AF65-F5344CB8AC3E}">
+        <p14:creationId xmlns:p14="http://schemas.microsoft.com/office/powerpoint/2010/main" val="246290304"/>
+      </p:ext>
+    </p:extLst>
+  </p:cSld>
+  <p:clrMapOvr>
+    <a:masterClrMapping/>
+  </p:clrMapOvr>
+</p:notes>
+</file>
+
 <file path=ppt/slideLayouts/slideLayout1.xml><?xml version="1.0" encoding="utf-8"?>
 <p:sldLayout xmlns:a="http://schemas.openxmlformats.org/drawingml/2006/main" xmlns:r="http://schemas.openxmlformats.org/officeDocument/2006/relationships" xmlns:p="http://schemas.openxmlformats.org/presentationml/2006/main" type="title" preserve="1">
   <p:cSld name="標題投影片">
@@ -685,7 +783,7 @@
             <a:fld id="{9D21D778-B565-4D7E-94D7-64010A445B68}" type="datetimeFigureOut">
               <a:rPr lang="en-US" smtClean="0"/>
               <a:pPr eaLnBrk="1" latinLnBrk="0" hangingPunct="1"/>
-              <a:t>4/19/2019</a:t>
+              <a:t>5/3/2019</a:t>
             </a:fld>
             <a:endParaRPr lang="en-US"/>
           </a:p>
@@ -855,7 +953,7 @@
           <a:p>
             <a:fld id="{D728701E-CAF4-4159-9B3E-41C86DFFA30D}" type="datetimeFigureOut">
               <a:rPr lang="en-US" smtClean="0"/>
-              <a:t>4/19/2019</a:t>
+              <a:t>5/3/2019</a:t>
             </a:fld>
             <a:endParaRPr lang="en-US"/>
           </a:p>
@@ -1035,7 +1133,7 @@
           <a:p>
             <a:fld id="{D728701E-CAF4-4159-9B3E-41C86DFFA30D}" type="datetimeFigureOut">
               <a:rPr lang="en-US" smtClean="0"/>
-              <a:t>4/19/2019</a:t>
+              <a:t>5/3/2019</a:t>
             </a:fld>
             <a:endParaRPr lang="en-US"/>
           </a:p>
@@ -1388,7 +1486,7 @@
             <a:fld id="{9D21D778-B565-4D7E-94D7-64010A445B68}" type="datetimeFigureOut">
               <a:rPr lang="en-US" smtClean="0"/>
               <a:pPr eaLnBrk="1" latinLnBrk="0" hangingPunct="1"/>
-              <a:t>4/19/2019</a:t>
+              <a:t>5/3/2019</a:t>
             </a:fld>
             <a:endParaRPr lang="en-US"/>
           </a:p>
@@ -1676,7 +1774,7 @@
           <a:p>
             <a:fld id="{D728701E-CAF4-4159-9B3E-41C86DFFA30D}" type="datetimeFigureOut">
               <a:rPr lang="en-US" smtClean="0"/>
-              <a:t>4/19/2019</a:t>
+              <a:t>5/3/2019</a:t>
             </a:fld>
             <a:endParaRPr lang="en-US"/>
           </a:p>
@@ -2098,7 +2196,7 @@
           <a:p>
             <a:fld id="{D728701E-CAF4-4159-9B3E-41C86DFFA30D}" type="datetimeFigureOut">
               <a:rPr lang="en-US" smtClean="0"/>
-              <a:t>4/19/2019</a:t>
+              <a:t>5/3/2019</a:t>
             </a:fld>
             <a:endParaRPr lang="en-US"/>
           </a:p>
@@ -2216,7 +2314,7 @@
           <a:p>
             <a:fld id="{D728701E-CAF4-4159-9B3E-41C86DFFA30D}" type="datetimeFigureOut">
               <a:rPr lang="en-US" smtClean="0"/>
-              <a:t>4/19/2019</a:t>
+              <a:t>5/3/2019</a:t>
             </a:fld>
             <a:endParaRPr lang="en-US"/>
           </a:p>
@@ -2311,7 +2409,7 @@
           <a:p>
             <a:fld id="{D728701E-CAF4-4159-9B3E-41C86DFFA30D}" type="datetimeFigureOut">
               <a:rPr lang="en-US" smtClean="0"/>
-              <a:t>4/19/2019</a:t>
+              <a:t>5/3/2019</a:t>
             </a:fld>
             <a:endParaRPr lang="en-US"/>
           </a:p>
@@ -2588,7 +2686,7 @@
           <a:p>
             <a:fld id="{D728701E-CAF4-4159-9B3E-41C86DFFA30D}" type="datetimeFigureOut">
               <a:rPr lang="en-US" smtClean="0"/>
-              <a:t>4/19/2019</a:t>
+              <a:t>5/3/2019</a:t>
             </a:fld>
             <a:endParaRPr lang="en-US"/>
           </a:p>
@@ -2841,7 +2939,7 @@
           <a:p>
             <a:fld id="{D728701E-CAF4-4159-9B3E-41C86DFFA30D}" type="datetimeFigureOut">
               <a:rPr lang="en-US" smtClean="0"/>
-              <a:t>4/19/2019</a:t>
+              <a:t>5/3/2019</a:t>
             </a:fld>
             <a:endParaRPr lang="en-US"/>
           </a:p>
@@ -3054,7 +3152,7 @@
           <a:p>
             <a:fld id="{D728701E-CAF4-4159-9B3E-41C86DFFA30D}" type="datetimeFigureOut">
               <a:rPr lang="en-US" smtClean="0"/>
-              <a:t>4/19/2019</a:t>
+              <a:t>5/3/2019</a:t>
             </a:fld>
             <a:endParaRPr lang="en-US"/>
           </a:p>
@@ -9281,21 +9379,8 @@
             </a:r>
             <a:r>
               <a:rPr lang="en-US" altLang="zh-TW" dirty="0" smtClean="0"/>
-              <a:t>member data, which </a:t>
-            </a:r>
-            <a:r>
-              <a:rPr lang="en-US" altLang="zh-TW" dirty="0" smtClean="0"/>
-              <a:t>cannot be </a:t>
-            </a:r>
-            <a:r>
-              <a:rPr lang="en-US" altLang="zh-TW" dirty="0" smtClean="0"/>
-              <a:t>accessed </a:t>
-            </a:r>
-            <a:r>
-              <a:rPr lang="en-US" altLang="zh-TW" dirty="0" smtClean="0"/>
-              <a:t>even by derived classes. </a:t>
-            </a:r>
-            <a:endParaRPr lang="en-US" altLang="zh-TW" dirty="0" smtClean="0"/>
+              <a:t>member data, which cannot be accessed even by derived classes. </a:t>
+            </a:r>
           </a:p>
           <a:p>
             <a:r>
@@ -9891,10 +9976,34 @@
                 <a:tableStyleId>{3B4B98B0-60AC-42C2-AFA5-B58CD77FA1E5}</a:tableStyleId>
               </a:tblPr>
               <a:tblGrid>
-                <a:gridCol w="2238376"/>
-                <a:gridCol w="1847850"/>
-                <a:gridCol w="2000250"/>
-                <a:gridCol w="1628776"/>
+                <a:gridCol w="2238376">
+                  <a:extLst>
+                    <a:ext uri="{9D8B030D-6E8A-4147-A177-3AD203B41FA5}">
+                      <a16:colId xmlns:a16="http://schemas.microsoft.com/office/drawing/2014/main" val="20000"/>
+                    </a:ext>
+                  </a:extLst>
+                </a:gridCol>
+                <a:gridCol w="1847850">
+                  <a:extLst>
+                    <a:ext uri="{9D8B030D-6E8A-4147-A177-3AD203B41FA5}">
+                      <a16:colId xmlns:a16="http://schemas.microsoft.com/office/drawing/2014/main" val="20001"/>
+                    </a:ext>
+                  </a:extLst>
+                </a:gridCol>
+                <a:gridCol w="2000250">
+                  <a:extLst>
+                    <a:ext uri="{9D8B030D-6E8A-4147-A177-3AD203B41FA5}">
+                      <a16:colId xmlns:a16="http://schemas.microsoft.com/office/drawing/2014/main" val="20002"/>
+                    </a:ext>
+                  </a:extLst>
+                </a:gridCol>
+                <a:gridCol w="1628776">
+                  <a:extLst>
+                    <a:ext uri="{9D8B030D-6E8A-4147-A177-3AD203B41FA5}">
+                      <a16:colId xmlns:a16="http://schemas.microsoft.com/office/drawing/2014/main" val="20003"/>
+                    </a:ext>
+                  </a:extLst>
+                </a:gridCol>
               </a:tblGrid>
               <a:tr h="549785">
                 <a:tc>
@@ -9973,6 +10082,11 @@
                   </a:txBody>
                   <a:tcPr marL="47642" marR="38113" marT="71463" marB="66698" anchor="ctr"/>
                 </a:tc>
+                <a:extLst>
+                  <a:ext uri="{0D108BD9-81ED-4DB2-BD59-A6C34878D82A}">
+                    <a16:rowId xmlns:a16="http://schemas.microsoft.com/office/drawing/2014/main" val="10000"/>
+                  </a:ext>
+                </a:extLst>
               </a:tr>
               <a:tr h="1119580">
                 <a:tc>
@@ -10039,6 +10153,11 @@
                   </a:txBody>
                   <a:tcPr marL="47642" marR="38113" marT="47642" marB="42878" anchor="ctr"/>
                 </a:tc>
+                <a:extLst>
+                  <a:ext uri="{0D108BD9-81ED-4DB2-BD59-A6C34878D82A}">
+                    <a16:rowId xmlns:a16="http://schemas.microsoft.com/office/drawing/2014/main" val="10001"/>
+                  </a:ext>
+                </a:extLst>
               </a:tr>
               <a:tr h="1325392">
                 <a:tc>
@@ -10105,6 +10224,11 @@
                   </a:txBody>
                   <a:tcPr marL="47642" marR="38113" marT="47642" marB="42878" anchor="ctr"/>
                 </a:tc>
+                <a:extLst>
+                  <a:ext uri="{0D108BD9-81ED-4DB2-BD59-A6C34878D82A}">
+                    <a16:rowId xmlns:a16="http://schemas.microsoft.com/office/drawing/2014/main" val="10002"/>
+                  </a:ext>
+                </a:extLst>
               </a:tr>
               <a:tr h="1531205">
                 <a:tc>
@@ -10171,6 +10295,11 @@
                   </a:txBody>
                   <a:tcPr marL="47642" marR="38113" marT="47642" marB="42878" anchor="ctr"/>
                 </a:tc>
+                <a:extLst>
+                  <a:ext uri="{0D108BD9-81ED-4DB2-BD59-A6C34878D82A}">
+                    <a16:rowId xmlns:a16="http://schemas.microsoft.com/office/drawing/2014/main" val="10003"/>
+                  </a:ext>
+                </a:extLst>
               </a:tr>
             </a:tbl>
           </a:graphicData>
@@ -10782,10 +10911,34 @@
                 <a:tableStyleId>{5C22544A-7EE6-4342-B048-85BDC9FD1C3A}</a:tableStyleId>
               </a:tblPr>
               <a:tblGrid>
-                <a:gridCol w="1969294"/>
-                <a:gridCol w="1969294"/>
-                <a:gridCol w="1969294"/>
-                <a:gridCol w="1969294"/>
+                <a:gridCol w="1969294">
+                  <a:extLst>
+                    <a:ext uri="{9D8B030D-6E8A-4147-A177-3AD203B41FA5}">
+                      <a16:colId xmlns:a16="http://schemas.microsoft.com/office/drawing/2014/main" val="20000"/>
+                    </a:ext>
+                  </a:extLst>
+                </a:gridCol>
+                <a:gridCol w="1969294">
+                  <a:extLst>
+                    <a:ext uri="{9D8B030D-6E8A-4147-A177-3AD203B41FA5}">
+                      <a16:colId xmlns:a16="http://schemas.microsoft.com/office/drawing/2014/main" val="20001"/>
+                    </a:ext>
+                  </a:extLst>
+                </a:gridCol>
+                <a:gridCol w="1969294">
+                  <a:extLst>
+                    <a:ext uri="{9D8B030D-6E8A-4147-A177-3AD203B41FA5}">
+                      <a16:colId xmlns:a16="http://schemas.microsoft.com/office/drawing/2014/main" val="20002"/>
+                    </a:ext>
+                  </a:extLst>
+                </a:gridCol>
+                <a:gridCol w="1969294">
+                  <a:extLst>
+                    <a:ext uri="{9D8B030D-6E8A-4147-A177-3AD203B41FA5}">
+                      <a16:colId xmlns:a16="http://schemas.microsoft.com/office/drawing/2014/main" val="20003"/>
+                    </a:ext>
+                  </a:extLst>
+                </a:gridCol>
               </a:tblGrid>
               <a:tr h="701040">
                 <a:tc>
@@ -10844,6 +10997,11 @@
                   </a:txBody>
                   <a:tcPr/>
                 </a:tc>
+                <a:extLst>
+                  <a:ext uri="{0D108BD9-81ED-4DB2-BD59-A6C34878D82A}">
+                    <a16:rowId xmlns:a16="http://schemas.microsoft.com/office/drawing/2014/main" val="10000"/>
+                  </a:ext>
+                </a:extLst>
               </a:tr>
               <a:tr h="857091">
                 <a:tc>
@@ -10960,6 +11118,11 @@
                   </a:txBody>
                   <a:tcPr/>
                 </a:tc>
+                <a:extLst>
+                  <a:ext uri="{0D108BD9-81ED-4DB2-BD59-A6C34878D82A}">
+                    <a16:rowId xmlns:a16="http://schemas.microsoft.com/office/drawing/2014/main" val="10001"/>
+                  </a:ext>
+                </a:extLst>
               </a:tr>
               <a:tr h="857091">
                 <a:tc>
@@ -11051,6 +11214,11 @@
                   </a:txBody>
                   <a:tcPr/>
                 </a:tc>
+                <a:extLst>
+                  <a:ext uri="{0D108BD9-81ED-4DB2-BD59-A6C34878D82A}">
+                    <a16:rowId xmlns:a16="http://schemas.microsoft.com/office/drawing/2014/main" val="10002"/>
+                  </a:ext>
+                </a:extLst>
               </a:tr>
               <a:tr h="857091">
                 <a:tc>
@@ -11143,6 +11311,11 @@
                   </a:txBody>
                   <a:tcPr/>
                 </a:tc>
+                <a:extLst>
+                  <a:ext uri="{0D108BD9-81ED-4DB2-BD59-A6C34878D82A}">
+                    <a16:rowId xmlns:a16="http://schemas.microsoft.com/office/drawing/2014/main" val="10003"/>
+                  </a:ext>
+                </a:extLst>
               </a:tr>
             </a:tbl>
           </a:graphicData>
@@ -11947,11 +12120,7 @@
           <a:p>
             <a:r>
               <a:rPr lang="en-US" altLang="zh-TW" dirty="0" smtClean="0"/>
-              <a:t>Example: </a:t>
-            </a:r>
-            <a:r>
-              <a:rPr lang="en-US" altLang="zh-TW" dirty="0" smtClean="0"/>
-              <a:t>Vehicles</a:t>
+              <a:t>Example: Vehicles</a:t>
             </a:r>
             <a:endParaRPr lang="zh-TW" altLang="en-US" dirty="0"/>
           </a:p>
